--- a/英文報告/3MT1pagePPT_revision2.pptx
+++ b/英文報告/3MT1pagePPT_revision2.pptx
@@ -259,7 +259,7 @@
           <a:p>
             <a:fld id="{0A87C1C2-6FA9-4148-BA22-1438AF1C10B0}" type="datetimeFigureOut">
               <a:rPr lang="zh-TW" altLang="en-US" smtClean="0"/>
-              <a:t>2024/11/3</a:t>
+              <a:t>2024/11/4</a:t>
             </a:fld>
             <a:endParaRPr lang="zh-TW" altLang="en-US"/>
           </a:p>
@@ -457,7 +457,7 @@
           <a:p>
             <a:fld id="{0A87C1C2-6FA9-4148-BA22-1438AF1C10B0}" type="datetimeFigureOut">
               <a:rPr lang="zh-TW" altLang="en-US" smtClean="0"/>
-              <a:t>2024/11/3</a:t>
+              <a:t>2024/11/4</a:t>
             </a:fld>
             <a:endParaRPr lang="zh-TW" altLang="en-US"/>
           </a:p>
@@ -665,7 +665,7 @@
           <a:p>
             <a:fld id="{0A87C1C2-6FA9-4148-BA22-1438AF1C10B0}" type="datetimeFigureOut">
               <a:rPr lang="zh-TW" altLang="en-US" smtClean="0"/>
-              <a:t>2024/11/3</a:t>
+              <a:t>2024/11/4</a:t>
             </a:fld>
             <a:endParaRPr lang="zh-TW" altLang="en-US"/>
           </a:p>
@@ -863,7 +863,7 @@
           <a:p>
             <a:fld id="{0A87C1C2-6FA9-4148-BA22-1438AF1C10B0}" type="datetimeFigureOut">
               <a:rPr lang="zh-TW" altLang="en-US" smtClean="0"/>
-              <a:t>2024/11/3</a:t>
+              <a:t>2024/11/4</a:t>
             </a:fld>
             <a:endParaRPr lang="zh-TW" altLang="en-US"/>
           </a:p>
@@ -1138,7 +1138,7 @@
           <a:p>
             <a:fld id="{0A87C1C2-6FA9-4148-BA22-1438AF1C10B0}" type="datetimeFigureOut">
               <a:rPr lang="zh-TW" altLang="en-US" smtClean="0"/>
-              <a:t>2024/11/3</a:t>
+              <a:t>2024/11/4</a:t>
             </a:fld>
             <a:endParaRPr lang="zh-TW" altLang="en-US"/>
           </a:p>
@@ -1403,7 +1403,7 @@
           <a:p>
             <a:fld id="{0A87C1C2-6FA9-4148-BA22-1438AF1C10B0}" type="datetimeFigureOut">
               <a:rPr lang="zh-TW" altLang="en-US" smtClean="0"/>
-              <a:t>2024/11/3</a:t>
+              <a:t>2024/11/4</a:t>
             </a:fld>
             <a:endParaRPr lang="zh-TW" altLang="en-US"/>
           </a:p>
@@ -1815,7 +1815,7 @@
           <a:p>
             <a:fld id="{0A87C1C2-6FA9-4148-BA22-1438AF1C10B0}" type="datetimeFigureOut">
               <a:rPr lang="zh-TW" altLang="en-US" smtClean="0"/>
-              <a:t>2024/11/3</a:t>
+              <a:t>2024/11/4</a:t>
             </a:fld>
             <a:endParaRPr lang="zh-TW" altLang="en-US"/>
           </a:p>
@@ -1956,7 +1956,7 @@
           <a:p>
             <a:fld id="{0A87C1C2-6FA9-4148-BA22-1438AF1C10B0}" type="datetimeFigureOut">
               <a:rPr lang="zh-TW" altLang="en-US" smtClean="0"/>
-              <a:t>2024/11/3</a:t>
+              <a:t>2024/11/4</a:t>
             </a:fld>
             <a:endParaRPr lang="zh-TW" altLang="en-US"/>
           </a:p>
@@ -2069,7 +2069,7 @@
           <a:p>
             <a:fld id="{0A87C1C2-6FA9-4148-BA22-1438AF1C10B0}" type="datetimeFigureOut">
               <a:rPr lang="zh-TW" altLang="en-US" smtClean="0"/>
-              <a:t>2024/11/3</a:t>
+              <a:t>2024/11/4</a:t>
             </a:fld>
             <a:endParaRPr lang="zh-TW" altLang="en-US"/>
           </a:p>
@@ -2380,7 +2380,7 @@
           <a:p>
             <a:fld id="{0A87C1C2-6FA9-4148-BA22-1438AF1C10B0}" type="datetimeFigureOut">
               <a:rPr lang="zh-TW" altLang="en-US" smtClean="0"/>
-              <a:t>2024/11/3</a:t>
+              <a:t>2024/11/4</a:t>
             </a:fld>
             <a:endParaRPr lang="zh-TW" altLang="en-US"/>
           </a:p>
@@ -2668,7 +2668,7 @@
           <a:p>
             <a:fld id="{0A87C1C2-6FA9-4148-BA22-1438AF1C10B0}" type="datetimeFigureOut">
               <a:rPr lang="zh-TW" altLang="en-US" smtClean="0"/>
-              <a:t>2024/11/3</a:t>
+              <a:t>2024/11/4</a:t>
             </a:fld>
             <a:endParaRPr lang="zh-TW" altLang="en-US"/>
           </a:p>
@@ -2915,7 +2915,7 @@
           <a:p>
             <a:fld id="{0A87C1C2-6FA9-4148-BA22-1438AF1C10B0}" type="datetimeFigureOut">
               <a:rPr lang="zh-TW" altLang="en-US" smtClean="0"/>
-              <a:t>2024/11/3</a:t>
+              <a:t>2024/11/4</a:t>
             </a:fld>
             <a:endParaRPr lang="zh-TW" altLang="en-US"/>
           </a:p>
@@ -4226,9 +4226,9 @@
           <p:grpSpPr>
             <a:xfrm>
               <a:off x="2064008" y="1166195"/>
-              <a:ext cx="4229145" cy="3038611"/>
+              <a:ext cx="4174566" cy="3038611"/>
               <a:chOff x="2177716" y="937826"/>
-              <a:chExt cx="4229145" cy="3038611"/>
+              <a:chExt cx="4174566" cy="3038611"/>
             </a:xfrm>
           </p:grpSpPr>
           <p:sp>
@@ -4292,10 +4292,10 @@
             </p:nvGrpSpPr>
             <p:grpSpPr>
               <a:xfrm>
-                <a:off x="2228938" y="1009397"/>
-                <a:ext cx="4177923" cy="2848129"/>
-                <a:chOff x="-235235" y="3501962"/>
-                <a:chExt cx="4177923" cy="2848129"/>
+                <a:off x="2202130" y="1009388"/>
+                <a:ext cx="4008100" cy="2848138"/>
+                <a:chOff x="-262043" y="3501953"/>
+                <a:chExt cx="4008100" cy="2848138"/>
               </a:xfrm>
             </p:grpSpPr>
             <p:sp>
@@ -4467,7 +4467,7 @@
               </p:blipFill>
               <p:spPr>
                 <a:xfrm>
-                  <a:off x="2742845" y="3646016"/>
+                  <a:off x="2546214" y="3851778"/>
                   <a:ext cx="1199843" cy="1199843"/>
                 </a:xfrm>
                 <a:prstGeom prst="rect">
@@ -4584,7 +4584,7 @@
               </p:blipFill>
               <p:spPr>
                 <a:xfrm rot="18475410">
-                  <a:off x="1951697" y="4130523"/>
+                  <a:off x="2033517" y="4199580"/>
                   <a:ext cx="914400" cy="914400"/>
                 </a:xfrm>
                 <a:prstGeom prst="rect">
@@ -4606,7 +4606,7 @@
               </p:nvSpPr>
               <p:spPr>
                 <a:xfrm>
-                  <a:off x="-235235" y="3501962"/>
+                  <a:off x="-262043" y="3501953"/>
                   <a:ext cx="3272383" cy="892552"/>
                 </a:xfrm>
                 <a:prstGeom prst="rect">
@@ -4621,16 +4621,22 @@
                 <a:lstStyle/>
                 <a:p>
                   <a:r>
-                    <a:rPr lang="en-US" altLang="zh-TW" sz="2600" dirty="0">
+                    <a:rPr lang="en-US" altLang="zh-TW" sz="2600" b="1" dirty="0">
                       <a:solidFill>
-                        <a:schemeClr val="bg1"/>
+                        <a:schemeClr val="accent4">
+                          <a:lumMod val="60000"/>
+                          <a:lumOff val="40000"/>
+                        </a:schemeClr>
                       </a:solidFill>
                     </a:rPr>
                     <a:t>Observe obstacles in dynamic environment</a:t>
                   </a:r>
-                  <a:endParaRPr lang="zh-TW" altLang="en-US" sz="2600" dirty="0">
+                  <a:endParaRPr lang="zh-TW" altLang="en-US" sz="2600" b="1" dirty="0">
                     <a:solidFill>
-                      <a:schemeClr val="bg1"/>
+                      <a:schemeClr val="accent4">
+                        <a:lumMod val="60000"/>
+                        <a:lumOff val="40000"/>
+                      </a:schemeClr>
                     </a:solidFill>
                   </a:endParaRPr>
                 </a:p>
@@ -4653,7 +4659,7 @@
           <p:spPr>
             <a:xfrm>
               <a:off x="1177742" y="5139575"/>
-              <a:ext cx="2359197" cy="987504"/>
+              <a:ext cx="2464751" cy="987504"/>
             </a:xfrm>
             <a:prstGeom prst="roundRect">
               <a:avLst/>
@@ -4683,16 +4689,37 @@
             <a:lstStyle/>
             <a:p>
               <a:r>
-                <a:rPr lang="en-US" altLang="zh-TW" sz="2600" dirty="0"/>
+                <a:rPr lang="en-US" altLang="zh-TW" sz="2600" b="1" dirty="0">
+                  <a:solidFill>
+                    <a:schemeClr val="accent4">
+                      <a:lumMod val="60000"/>
+                      <a:lumOff val="40000"/>
+                    </a:schemeClr>
+                  </a:solidFill>
+                </a:rPr>
                 <a:t>Prediction &amp;</a:t>
               </a:r>
             </a:p>
             <a:p>
               <a:r>
-                <a:rPr lang="en-US" altLang="zh-TW" sz="2600" dirty="0"/>
+                <a:rPr lang="en-US" altLang="zh-TW" sz="2600" b="1" dirty="0">
+                  <a:solidFill>
+                    <a:schemeClr val="accent4">
+                      <a:lumMod val="60000"/>
+                      <a:lumOff val="40000"/>
+                    </a:schemeClr>
+                  </a:solidFill>
+                </a:rPr>
                 <a:t>Risk evaluation</a:t>
               </a:r>
-              <a:endParaRPr lang="zh-TW" altLang="en-US" sz="2600" dirty="0"/>
+              <a:endParaRPr lang="zh-TW" altLang="en-US" sz="2600" b="1" dirty="0">
+                <a:solidFill>
+                  <a:schemeClr val="accent4">
+                    <a:lumMod val="60000"/>
+                    <a:lumOff val="40000"/>
+                  </a:schemeClr>
+                </a:solidFill>
+              </a:endParaRPr>
             </a:p>
           </p:txBody>
         </p:sp>
@@ -4742,10 +4769,24 @@
             <a:p>
               <a:pPr algn="ctr"/>
               <a:r>
-                <a:rPr lang="en-US" altLang="zh-TW" sz="2600" dirty="0"/>
+                <a:rPr lang="en-US" altLang="zh-TW" sz="2600" b="1" dirty="0">
+                  <a:solidFill>
+                    <a:schemeClr val="accent4">
+                      <a:lumMod val="60000"/>
+                      <a:lumOff val="40000"/>
+                    </a:schemeClr>
+                  </a:solidFill>
+                </a:rPr>
                 <a:t>Adjust future path</a:t>
               </a:r>
-              <a:endParaRPr lang="zh-TW" altLang="en-US" sz="2600" dirty="0"/>
+              <a:endParaRPr lang="zh-TW" altLang="en-US" sz="2600" b="1" dirty="0">
+                <a:solidFill>
+                  <a:schemeClr val="accent4">
+                    <a:lumMod val="60000"/>
+                    <a:lumOff val="40000"/>
+                  </a:schemeClr>
+                </a:solidFill>
+              </a:endParaRPr>
             </a:p>
           </p:txBody>
         </p:sp>
